--- a/Who Watches the Watchmen.pptx
+++ b/Who Watches the Watchmen.pptx
@@ -5,7 +5,7 @@
     <p:sldMasterId id="2147483648" r:id="rId1"/>
   </p:sldMasterIdLst>
   <p:notesMasterIdLst>
-    <p:notesMasterId r:id="rId23"/>
+    <p:notesMasterId r:id="rId24"/>
   </p:notesMasterIdLst>
   <p:sldIdLst>
     <p:sldId id="256" r:id="rId2"/>
@@ -24,11 +24,12 @@
     <p:sldId id="272" r:id="rId15"/>
     <p:sldId id="274" r:id="rId16"/>
     <p:sldId id="275" r:id="rId17"/>
-    <p:sldId id="277" r:id="rId18"/>
-    <p:sldId id="278" r:id="rId19"/>
-    <p:sldId id="279" r:id="rId20"/>
-    <p:sldId id="281" r:id="rId21"/>
-    <p:sldId id="280" r:id="rId22"/>
+    <p:sldId id="283" r:id="rId18"/>
+    <p:sldId id="277" r:id="rId19"/>
+    <p:sldId id="278" r:id="rId20"/>
+    <p:sldId id="279" r:id="rId21"/>
+    <p:sldId id="281" r:id="rId22"/>
+    <p:sldId id="280" r:id="rId23"/>
   </p:sldIdLst>
   <p:sldSz cx="12192000" cy="6858000"/>
   <p:notesSz cx="6858000" cy="9144000"/>
@@ -434,7 +435,7 @@
           <a:p>
             <a:fld id="{CEC7C4CE-0BA7-46C7-910C-86236A29B096}" type="datetimeFigureOut">
               <a:rPr lang="en-US" smtClean="0"/>
-              <a:t>10/12/18</a:t>
+              <a:t>10/12/2018</a:t>
             </a:fld>
             <a:endParaRPr lang="en-US"/>
           </a:p>
@@ -788,6 +789,110 @@
 </p:notes>
 </file>
 
+<file path=ppt/notesSlides/notesSlide10.xml><?xml version="1.0" encoding="utf-8"?>
+<p:notes xmlns:a="http://schemas.openxmlformats.org/drawingml/2006/main" xmlns:r="http://schemas.openxmlformats.org/officeDocument/2006/relationships" xmlns:p="http://schemas.openxmlformats.org/presentationml/2006/main">
+  <p:cSld>
+    <p:spTree>
+      <p:nvGrpSpPr>
+        <p:cNvPr id="1" name=""/>
+        <p:cNvGrpSpPr/>
+        <p:nvPr/>
+      </p:nvGrpSpPr>
+      <p:grpSpPr>
+        <a:xfrm>
+          <a:off x="0" y="0"/>
+          <a:ext cx="0" cy="0"/>
+          <a:chOff x="0" y="0"/>
+          <a:chExt cx="0" cy="0"/>
+        </a:xfrm>
+      </p:grpSpPr>
+      <p:sp>
+        <p:nvSpPr>
+          <p:cNvPr id="2" name="Slide Image Placeholder 1"/>
+          <p:cNvSpPr>
+            <a:spLocks noGrp="1" noRot="1" noChangeAspect="1"/>
+          </p:cNvSpPr>
+          <p:nvPr>
+            <p:ph type="sldImg"/>
+          </p:nvPr>
+        </p:nvSpPr>
+        <p:spPr/>
+      </p:sp>
+      <p:sp>
+        <p:nvSpPr>
+          <p:cNvPr id="3" name="Notes Placeholder 2"/>
+          <p:cNvSpPr>
+            <a:spLocks noGrp="1"/>
+          </p:cNvSpPr>
+          <p:nvPr>
+            <p:ph type="body" idx="1"/>
+          </p:nvPr>
+        </p:nvSpPr>
+        <p:spPr/>
+        <p:txBody>
+          <a:bodyPr/>
+          <a:lstStyle/>
+          <a:p>
+            <a:pPr marL="0" marR="0" lvl="0" indent="0" algn="l" defTabSz="914400" rtl="0" eaLnBrk="1" fontAlgn="auto" latinLnBrk="0" hangingPunct="1">
+              <a:lnSpc>
+                <a:spcPct val="100000"/>
+              </a:lnSpc>
+              <a:spcBef>
+                <a:spcPts val="0"/>
+              </a:spcBef>
+              <a:spcAft>
+                <a:spcPts val="0"/>
+              </a:spcAft>
+              <a:buClrTx/>
+              <a:buSzTx/>
+              <a:buFontTx/>
+              <a:buNone/>
+              <a:tabLst/>
+              <a:defRPr/>
+            </a:pPr>
+            <a:r>
+              <a:rPr lang="en-US" dirty="0"/>
+              <a:t>Mutation testing has been around for a while but not many have heard about it mainly because it has always been very expensive to run.  For each mutation you have to rerun your entire test suite.  Two things have made mutation testing more realistic as a tool.  1.) Hardware speed and number of cores.  If you guys saw whenever I ran Stryker 8 instance of chrome opened to simultaneously run tests, one for each core.  2.) A new strategy for mutation testing where you run coverage first to see which tests hit a certain line of code and then only run those tests for that mutation, not every test.</a:t>
+            </a:r>
+          </a:p>
+        </p:txBody>
+      </p:sp>
+      <p:sp>
+        <p:nvSpPr>
+          <p:cNvPr id="4" name="Slide Number Placeholder 3"/>
+          <p:cNvSpPr>
+            <a:spLocks noGrp="1"/>
+          </p:cNvSpPr>
+          <p:nvPr>
+            <p:ph type="sldNum" sz="quarter" idx="5"/>
+          </p:nvPr>
+        </p:nvSpPr>
+        <p:spPr/>
+        <p:txBody>
+          <a:bodyPr/>
+          <a:lstStyle/>
+          <a:p>
+            <a:fld id="{D06C7275-F3C5-4EE7-8C54-771BE2CF8BB4}" type="slidenum">
+              <a:rPr lang="en-US" smtClean="0"/>
+              <a:t>18</a:t>
+            </a:fld>
+            <a:endParaRPr lang="en-US"/>
+          </a:p>
+        </p:txBody>
+      </p:sp>
+    </p:spTree>
+    <p:extLst>
+      <p:ext uri="{BB962C8B-B14F-4D97-AF65-F5344CB8AC3E}">
+        <p14:creationId xmlns:p14="http://schemas.microsoft.com/office/powerpoint/2010/main" val="2363965594"/>
+      </p:ext>
+    </p:extLst>
+  </p:cSld>
+  <p:clrMapOvr>
+    <a:masterClrMapping/>
+  </p:clrMapOvr>
+</p:notes>
+</file>
+
 <file path=ppt/notesSlides/notesSlide2.xml><?xml version="1.0" encoding="utf-8"?>
 <p:notes xmlns:a="http://schemas.openxmlformats.org/drawingml/2006/main" xmlns:r="http://schemas.openxmlformats.org/officeDocument/2006/relationships" xmlns:p="http://schemas.openxmlformats.org/presentationml/2006/main">
   <p:cSld>
@@ -1008,7 +1113,7 @@
           <a:p>
             <a:r>
               <a:rPr lang="en-US" dirty="0"/>
-              <a:t>So that everyone is on the same page with terms, continuous deployment is deploying every commit to your customers.  Normally its to a small percentage of customers at first.  Companies that famously do this are Amazon and Netflix.  Continuous deployment might seem extreme for your company but it’s a worthy goal to aim for.  What tools would you need to do continuous deployment at your company?  There are a lot of things you need to do before a company can implement continuous deployment, source control, build server, infrastructure as code, and test automation.  Today I am going to just focus on test automation and its benefits.</a:t>
+              <a:t>So that everyone is on the same page with terms, continuous deployment is deploying every commit to your customers.  Normally its to a small percentage of customers at first and then ramp up over time if no issues.  Companies that famously do this are Amazon and Netflix.  Continuous deployment might seem extreme for your company but it’s a worthy goal to aim for.  What tools would you need to do continuous deployment at your company?  There are a lot of things you need to do before a company can implement continuous deployment, source control, build server, infrastructure as code, and test automation.  Today I am going to just focus on test automation and its benefits.</a:t>
             </a:r>
           </a:p>
         </p:txBody>
@@ -1182,7 +1287,7 @@
           <a:p>
             <a:r>
               <a:rPr lang="en-US" dirty="0"/>
-              <a:t>How do you know how good your tests are?  How confident are you that mistakes in the code will get captured by your tests?  Do you currently have a way to measure your test quality?  What do you use?  A lot of companies would say code coverage is their metric of test quality.</a:t>
+              <a:t>How do you know how good your tests are?  How confident are you that mistakes in the code will get captured by your tests?  Do you currently have a way to measure your test quality? A lot of companies would say code coverage is their metric of test quality.</a:t>
             </a:r>
           </a:p>
         </p:txBody>
@@ -2608,7 +2713,7 @@
           <a:p>
             <a:fld id="{24452B38-B5B8-4C56-ADC3-B86414DDCBC8}" type="datetimeFigureOut">
               <a:rPr lang="en-US" smtClean="0"/>
-              <a:t>10/12/18</a:t>
+              <a:t>10/12/2018</a:t>
             </a:fld>
             <a:endParaRPr lang="en-US"/>
           </a:p>
@@ -2703,7 +2808,7 @@
           <a:p>
             <a:fld id="{24452B38-B5B8-4C56-ADC3-B86414DDCBC8}" type="datetimeFigureOut">
               <a:rPr lang="en-US" smtClean="0"/>
-              <a:t>10/12/18</a:t>
+              <a:t>10/12/2018</a:t>
             </a:fld>
             <a:endParaRPr lang="en-US"/>
           </a:p>
@@ -4505,8 +4610,8 @@
         </p:nvSpPr>
         <p:spPr>
           <a:xfrm>
-            <a:off x="572727" y="6419181"/>
-            <a:ext cx="6832959" cy="369330"/>
+            <a:off x="152400" y="6419181"/>
+            <a:ext cx="5665973" cy="369330"/>
           </a:xfrm>
           <a:prstGeom prst="rect">
             <a:avLst/>
@@ -4543,22 +4648,101 @@
                   <a:schemeClr val="bg1"/>
                 </a:solidFill>
               </a:rPr>
-              <a:t>https://github.com/MatthewYKnowles/who-watches-the-watchmen.git</a:t>
-            </a:r>
-            <a:endParaRPr kumimoji="0" lang="en-US" sz="1800" b="0" i="0" u="none" strike="noStrike" cap="none" spc="0" normalizeH="0" baseline="0" dirty="0">
-              <a:ln>
-                <a:noFill/>
-              </a:ln>
-              <a:solidFill>
-                <a:schemeClr val="bg1"/>
-              </a:solidFill>
-              <a:effectLst/>
-              <a:uFillTx/>
-              <a:sym typeface="Calibri"/>
-            </a:endParaRPr>
+              <a:t>https://github.com/MatthewYKnowles/dev-space-2018.git </a:t>
+            </a:r>
           </a:p>
         </p:txBody>
       </p:sp>
+      <p:pic>
+        <p:nvPicPr>
+          <p:cNvPr id="10" name="Picture 9">
+            <a:extLst>
+              <a:ext uri="{FF2B5EF4-FFF2-40B4-BE49-F238E27FC236}">
+                <a16:creationId xmlns:a16="http://schemas.microsoft.com/office/drawing/2014/main" id="{2F0A15F8-478E-41E3-B549-4D3C3A4E4B08}"/>
+              </a:ext>
+            </a:extLst>
+          </p:cNvPr>
+          <p:cNvPicPr>
+            <a:picLocks noChangeAspect="1"/>
+          </p:cNvPicPr>
+          <p:nvPr/>
+        </p:nvPicPr>
+        <p:blipFill>
+          <a:blip r:embed="rId3"/>
+          <a:stretch>
+            <a:fillRect/>
+          </a:stretch>
+        </p:blipFill>
+        <p:spPr>
+          <a:xfrm>
+            <a:off x="152400" y="5420601"/>
+            <a:ext cx="1428760" cy="766768"/>
+          </a:xfrm>
+          <a:prstGeom prst="rect">
+            <a:avLst/>
+          </a:prstGeom>
+        </p:spPr>
+      </p:pic>
+      <p:pic>
+        <p:nvPicPr>
+          <p:cNvPr id="11" name="Picture 10">
+            <a:extLst>
+              <a:ext uri="{FF2B5EF4-FFF2-40B4-BE49-F238E27FC236}">
+                <a16:creationId xmlns:a16="http://schemas.microsoft.com/office/drawing/2014/main" id="{D28D3833-4FA7-46BB-996C-8C6AFE7B8DEC}"/>
+              </a:ext>
+            </a:extLst>
+          </p:cNvPr>
+          <p:cNvPicPr>
+            <a:picLocks noChangeAspect="1"/>
+          </p:cNvPicPr>
+          <p:nvPr/>
+        </p:nvPicPr>
+        <p:blipFill>
+          <a:blip r:embed="rId4"/>
+          <a:stretch>
+            <a:fillRect/>
+          </a:stretch>
+        </p:blipFill>
+        <p:spPr>
+          <a:xfrm>
+            <a:off x="1922863" y="5420600"/>
+            <a:ext cx="1610854" cy="766767"/>
+          </a:xfrm>
+          <a:prstGeom prst="rect">
+            <a:avLst/>
+          </a:prstGeom>
+        </p:spPr>
+      </p:pic>
+      <p:pic>
+        <p:nvPicPr>
+          <p:cNvPr id="12" name="Picture 11">
+            <a:extLst>
+              <a:ext uri="{FF2B5EF4-FFF2-40B4-BE49-F238E27FC236}">
+                <a16:creationId xmlns:a16="http://schemas.microsoft.com/office/drawing/2014/main" id="{7DD45C0F-044E-4464-81B4-AE05DA9777DE}"/>
+              </a:ext>
+            </a:extLst>
+          </p:cNvPr>
+          <p:cNvPicPr>
+            <a:picLocks noChangeAspect="1"/>
+          </p:cNvPicPr>
+          <p:nvPr/>
+        </p:nvPicPr>
+        <p:blipFill>
+          <a:blip r:embed="rId5"/>
+          <a:stretch>
+            <a:fillRect/>
+          </a:stretch>
+        </p:blipFill>
+        <p:spPr>
+          <a:xfrm>
+            <a:off x="3875420" y="5406582"/>
+            <a:ext cx="1638847" cy="766695"/>
+          </a:xfrm>
+          <a:prstGeom prst="rect">
+            <a:avLst/>
+          </a:prstGeom>
+        </p:spPr>
+      </p:pic>
     </p:spTree>
     <p:extLst>
       <p:ext uri="{BB962C8B-B14F-4D97-AF65-F5344CB8AC3E}">
@@ -4816,10 +5000,10 @@
       </p:grpSpPr>
       <p:sp>
         <p:nvSpPr>
-          <p:cNvPr id="3" name="Title 2">
+          <p:cNvPr id="2" name="Title 1">
             <a:extLst>
               <a:ext uri="{FF2B5EF4-FFF2-40B4-BE49-F238E27FC236}">
-                <a16:creationId xmlns:a16="http://schemas.microsoft.com/office/drawing/2014/main" id="{4C281C63-46B9-46CA-AF8C-20C8B2BF606D}"/>
+                <a16:creationId xmlns:a16="http://schemas.microsoft.com/office/drawing/2014/main" id="{B6BBA50F-AA08-4CCC-A527-3B29BBDF4599}"/>
               </a:ext>
             </a:extLst>
           </p:cNvPr>
@@ -4830,159 +5014,211 @@
             <p:ph type="title"/>
           </p:nvPr>
         </p:nvSpPr>
-        <p:spPr/>
+        <p:spPr>
+          <a:xfrm>
+            <a:off x="1524000" y="177971"/>
+            <a:ext cx="9144000" cy="975418"/>
+          </a:xfrm>
+        </p:spPr>
         <p:txBody>
           <a:bodyPr>
             <a:normAutofit fontScale="90000"/>
           </a:bodyPr>
           <a:lstStyle/>
           <a:p>
-            <a:pPr algn="ctr"/>
-            <a:r>
-              <a:rPr lang="en-US" b="1" dirty="0"/>
-              <a:t>Mutation Testing - sounds awesome, why have I never heard of it?</a:t>
+            <a:r>
+              <a:rPr lang="en-US" dirty="0"/>
+              <a:t>Installing and Running </a:t>
+            </a:r>
+            <a:r>
+              <a:rPr lang="en-US" dirty="0" err="1"/>
+              <a:t>StrykerJS</a:t>
             </a:r>
             <a:endParaRPr lang="en-US" dirty="0"/>
           </a:p>
         </p:txBody>
       </p:sp>
-    </p:spTree>
-    <p:extLst>
-      <p:ext uri="{BB962C8B-B14F-4D97-AF65-F5344CB8AC3E}">
-        <p14:creationId xmlns:p14="http://schemas.microsoft.com/office/powerpoint/2010/main" val="2387239954"/>
-      </p:ext>
-    </p:extLst>
-  </p:cSld>
-  <p:clrMapOvr>
-    <a:masterClrMapping/>
-  </p:clrMapOvr>
-  <p:transition spd="med"/>
-</p:sld>
-</file>
-
-<file path=ppt/slides/slide18.xml><?xml version="1.0" encoding="utf-8"?>
-<p:sld xmlns:a="http://schemas.openxmlformats.org/drawingml/2006/main" xmlns:r="http://schemas.openxmlformats.org/officeDocument/2006/relationships" xmlns:p="http://schemas.openxmlformats.org/presentationml/2006/main">
-  <p:cSld>
-    <p:spTree>
-      <p:nvGrpSpPr>
-        <p:cNvPr id="1" name=""/>
-        <p:cNvGrpSpPr/>
-        <p:nvPr/>
-      </p:nvGrpSpPr>
-      <p:grpSpPr>
-        <a:xfrm>
-          <a:off x="0" y="0"/>
-          <a:ext cx="0" cy="0"/>
-          <a:chOff x="0" y="0"/>
-          <a:chExt cx="0" cy="0"/>
-        </a:xfrm>
-      </p:grpSpPr>
-      <p:sp>
-        <p:nvSpPr>
-          <p:cNvPr id="4" name="Title 3">
+      <p:sp>
+        <p:nvSpPr>
+          <p:cNvPr id="7" name="Rectangle 6">
             <a:extLst>
               <a:ext uri="{FF2B5EF4-FFF2-40B4-BE49-F238E27FC236}">
-                <a16:creationId xmlns:a16="http://schemas.microsoft.com/office/drawing/2014/main" id="{BF19139A-8C99-4205-95BA-E6C71FC83670}"/>
+                <a16:creationId xmlns:a16="http://schemas.microsoft.com/office/drawing/2014/main" id="{29F0D97A-C6B3-49FC-8BBD-FBC2022C08F4}"/>
               </a:ext>
             </a:extLst>
           </p:cNvPr>
-          <p:cNvSpPr>
-            <a:spLocks noGrp="1"/>
-          </p:cNvSpPr>
-          <p:nvPr>
-            <p:ph type="title"/>
-          </p:nvPr>
-        </p:nvSpPr>
-        <p:spPr/>
+          <p:cNvSpPr/>
+          <p:nvPr/>
+        </p:nvSpPr>
+        <p:spPr>
+          <a:xfrm>
+            <a:off x="581984" y="1625237"/>
+            <a:ext cx="11028032" cy="2909130"/>
+          </a:xfrm>
+          <a:prstGeom prst="rect">
+            <a:avLst/>
+          </a:prstGeom>
+        </p:spPr>
         <p:txBody>
-          <a:bodyPr/>
+          <a:bodyPr wrap="square">
+            <a:spAutoFit/>
+          </a:bodyPr>
           <a:lstStyle/>
           <a:p>
-            <a:pPr algn="ctr"/>
-            <a:r>
-              <a:rPr lang="en-US" b="1" dirty="0"/>
-              <a:t>When to run Mutation Testing</a:t>
+            <a:pPr marL="685800" indent="-685800" defTabSz="457200">
+              <a:lnSpc>
+                <a:spcPct val="200000"/>
+              </a:lnSpc>
+              <a:buSzPct val="145000"/>
+              <a:buFont typeface="Arial" panose="020B0604020202020204" pitchFamily="34" charset="0"/>
+              <a:buChar char="•"/>
+              <a:defRPr sz="5066">
+                <a:solidFill>
+                  <a:srgbClr val="404040"/>
+                </a:solidFill>
+                <a:latin typeface="Helvetica Neue"/>
+                <a:ea typeface="Helvetica Neue"/>
+                <a:cs typeface="Helvetica Neue"/>
+                <a:sym typeface="Helvetica Neue"/>
+              </a:defRPr>
+            </a:pPr>
+            <a:r>
+              <a:rPr lang="en-US" sz="3200" dirty="0" err="1">
+                <a:solidFill>
+                  <a:schemeClr val="bg1"/>
+                </a:solidFill>
+                <a:latin typeface="Avenir Roman" panose="02000503020000020003" pitchFamily="2" charset="0"/>
+              </a:rPr>
+              <a:t>npm</a:t>
+            </a:r>
+            <a:r>
+              <a:rPr lang="en-US" sz="3200" dirty="0">
+                <a:solidFill>
+                  <a:schemeClr val="bg1"/>
+                </a:solidFill>
+                <a:latin typeface="Avenir Roman" panose="02000503020000020003" pitchFamily="2" charset="0"/>
+              </a:rPr>
+              <a:t> install -g </a:t>
+            </a:r>
+            <a:r>
+              <a:rPr lang="en-US" sz="3200" dirty="0" err="1">
+                <a:solidFill>
+                  <a:schemeClr val="bg1"/>
+                </a:solidFill>
+                <a:latin typeface="Avenir Roman" panose="02000503020000020003" pitchFamily="2" charset="0"/>
+              </a:rPr>
+              <a:t>stryker</a:t>
+            </a:r>
+            <a:r>
+              <a:rPr lang="en-US" sz="3200" dirty="0">
+                <a:solidFill>
+                  <a:schemeClr val="bg1"/>
+                </a:solidFill>
+                <a:latin typeface="Avenir Roman" panose="02000503020000020003" pitchFamily="2" charset="0"/>
+              </a:rPr>
+              <a:t>-cli </a:t>
+            </a:r>
+          </a:p>
+          <a:p>
+            <a:pPr marL="685800" indent="-685800" defTabSz="457200">
+              <a:lnSpc>
+                <a:spcPct val="200000"/>
+              </a:lnSpc>
+              <a:buSzPct val="145000"/>
+              <a:buFont typeface="Arial" panose="020B0604020202020204" pitchFamily="34" charset="0"/>
+              <a:buChar char="•"/>
+              <a:defRPr sz="5066">
+                <a:solidFill>
+                  <a:srgbClr val="404040"/>
+                </a:solidFill>
+                <a:latin typeface="Helvetica Neue"/>
+                <a:ea typeface="Helvetica Neue"/>
+                <a:cs typeface="Helvetica Neue"/>
+                <a:sym typeface="Helvetica Neue"/>
+              </a:defRPr>
+            </a:pPr>
+            <a:r>
+              <a:rPr lang="en-US" sz="3200" dirty="0" err="1">
+                <a:solidFill>
+                  <a:schemeClr val="bg1"/>
+                </a:solidFill>
+                <a:latin typeface="Avenir Roman" panose="02000503020000020003" pitchFamily="2" charset="0"/>
+              </a:rPr>
+              <a:t>stryker</a:t>
+            </a:r>
+            <a:r>
+              <a:rPr lang="en-US" sz="3200" dirty="0">
+                <a:solidFill>
+                  <a:schemeClr val="bg1"/>
+                </a:solidFill>
+                <a:latin typeface="Avenir Roman" panose="02000503020000020003" pitchFamily="2" charset="0"/>
+              </a:rPr>
+              <a:t> </a:t>
+            </a:r>
+            <a:r>
+              <a:rPr lang="en-US" sz="3200" dirty="0" err="1">
+                <a:solidFill>
+                  <a:schemeClr val="bg1"/>
+                </a:solidFill>
+                <a:latin typeface="Avenir Roman" panose="02000503020000020003" pitchFamily="2" charset="0"/>
+              </a:rPr>
+              <a:t>init</a:t>
+            </a:r>
+            <a:r>
+              <a:rPr lang="en-US" sz="3200" dirty="0">
+                <a:solidFill>
+                  <a:schemeClr val="bg1"/>
+                </a:solidFill>
+                <a:latin typeface="Avenir Roman" panose="02000503020000020003" pitchFamily="2" charset="0"/>
+              </a:rPr>
+              <a:t> </a:t>
+            </a:r>
+          </a:p>
+          <a:p>
+            <a:pPr marL="685800" indent="-685800" defTabSz="457200">
+              <a:lnSpc>
+                <a:spcPct val="200000"/>
+              </a:lnSpc>
+              <a:buSzPct val="145000"/>
+              <a:buFont typeface="Arial" panose="020B0604020202020204" pitchFamily="34" charset="0"/>
+              <a:buChar char="•"/>
+              <a:defRPr sz="5066">
+                <a:solidFill>
+                  <a:srgbClr val="404040"/>
+                </a:solidFill>
+                <a:latin typeface="Helvetica Neue"/>
+                <a:ea typeface="Helvetica Neue"/>
+                <a:cs typeface="Helvetica Neue"/>
+                <a:sym typeface="Helvetica Neue"/>
+              </a:defRPr>
+            </a:pPr>
+            <a:r>
+              <a:rPr lang="en-US" sz="3200" dirty="0" err="1">
+                <a:solidFill>
+                  <a:schemeClr val="bg1"/>
+                </a:solidFill>
+                <a:latin typeface="Avenir Roman" panose="02000503020000020003" pitchFamily="2" charset="0"/>
+              </a:rPr>
+              <a:t>stryker</a:t>
+            </a:r>
+            <a:r>
+              <a:rPr lang="en-US" sz="3200" dirty="0">
+                <a:solidFill>
+                  <a:schemeClr val="bg1"/>
+                </a:solidFill>
+                <a:latin typeface="Avenir Roman" panose="02000503020000020003" pitchFamily="2" charset="0"/>
+              </a:rPr>
+              <a:t> run</a:t>
             </a:r>
           </a:p>
         </p:txBody>
       </p:sp>
-    </p:spTree>
-    <p:extLst>
-      <p:ext uri="{BB962C8B-B14F-4D97-AF65-F5344CB8AC3E}">
-        <p14:creationId xmlns:p14="http://schemas.microsoft.com/office/powerpoint/2010/main" val="3292626560"/>
-      </p:ext>
-    </p:extLst>
-  </p:cSld>
-  <p:clrMapOvr>
-    <a:masterClrMapping/>
-  </p:clrMapOvr>
-  <p:transition spd="med"/>
-</p:sld>
-</file>
-
-<file path=ppt/slides/slide19.xml><?xml version="1.0" encoding="utf-8"?>
-<p:sld xmlns:a="http://schemas.openxmlformats.org/drawingml/2006/main" xmlns:r="http://schemas.openxmlformats.org/officeDocument/2006/relationships" xmlns:p="http://schemas.openxmlformats.org/presentationml/2006/main">
-  <p:cSld>
-    <p:spTree>
-      <p:nvGrpSpPr>
-        <p:cNvPr id="1" name=""/>
-        <p:cNvGrpSpPr/>
-        <p:nvPr/>
-      </p:nvGrpSpPr>
-      <p:grpSpPr>
-        <a:xfrm>
-          <a:off x="0" y="0"/>
-          <a:ext cx="0" cy="0"/>
-          <a:chOff x="0" y="0"/>
-          <a:chExt cx="0" cy="0"/>
-        </a:xfrm>
-      </p:grpSpPr>
-      <p:sp>
-        <p:nvSpPr>
-          <p:cNvPr id="6" name="Text Placeholder 2">
+      <p:sp>
+        <p:nvSpPr>
+          <p:cNvPr id="8" name="TextBox 7">
             <a:extLst>
               <a:ext uri="{FF2B5EF4-FFF2-40B4-BE49-F238E27FC236}">
-                <a16:creationId xmlns:a16="http://schemas.microsoft.com/office/drawing/2014/main" id="{5A1742E5-F676-B449-91DA-CD15AEEE08EE}"/>
-              </a:ext>
-            </a:extLst>
-          </p:cNvPr>
-          <p:cNvSpPr>
-            <a:spLocks noGrp="1"/>
-          </p:cNvSpPr>
-          <p:nvPr>
-            <p:ph type="body" sz="quarter" idx="1"/>
-          </p:nvPr>
-        </p:nvSpPr>
-        <p:spPr>
-          <a:xfrm>
-            <a:off x="370504" y="152021"/>
-            <a:ext cx="11244135" cy="3540750"/>
-          </a:xfrm>
-        </p:spPr>
-        <p:txBody>
-          <a:bodyPr>
-            <a:noAutofit/>
-          </a:bodyPr>
-          <a:lstStyle/>
-          <a:p>
-            <a:r>
-              <a:rPr lang="en-US" sz="3600" dirty="0">
-                <a:solidFill>
-                  <a:schemeClr val="bg1"/>
-                </a:solidFill>
-                <a:latin typeface="+mn-lt"/>
-              </a:rPr>
-              <a:t>As hard-nosed as I am about TDD as a necessary discipline; if I saw a team using mutation testing to guarantee the semantic stability of a test-after suite; I would smile, and nod, and consider them to be highly professional. (I would also suggest that they work test-first in order to streamline their effort.)</a:t>
-            </a:r>
-          </a:p>
-        </p:txBody>
-      </p:sp>
-      <p:sp>
-        <p:nvSpPr>
-          <p:cNvPr id="3" name="TextBox 2">
-            <a:extLst>
-              <a:ext uri="{FF2B5EF4-FFF2-40B4-BE49-F238E27FC236}">
-                <a16:creationId xmlns:a16="http://schemas.microsoft.com/office/drawing/2014/main" id="{689DFE27-2BF4-49E2-8507-82D1E4FE6686}"/>
+                <a16:creationId xmlns:a16="http://schemas.microsoft.com/office/drawing/2014/main" id="{C18C1663-DDE7-44EF-9061-938E20EB19BC}"/>
               </a:ext>
             </a:extLst>
           </p:cNvPr>
@@ -4991,8 +5227,8 @@
         </p:nvSpPr>
         <p:spPr>
           <a:xfrm>
-            <a:off x="6699738" y="3798278"/>
-            <a:ext cx="5864469" cy="923328"/>
+            <a:off x="92053" y="6396337"/>
+            <a:ext cx="6775152" cy="461663"/>
           </a:xfrm>
           <a:prstGeom prst="rect">
             <a:avLst/>
@@ -5024,33 +5260,14 @@
           <a:lstStyle/>
           <a:p>
             <a:r>
-              <a:rPr lang="en-US" sz="3600" dirty="0">
+              <a:rPr lang="en-US" sz="2400" dirty="0">
                 <a:solidFill>
                   <a:schemeClr val="bg1"/>
                 </a:solidFill>
-                <a:latin typeface="+mj-lt"/>
               </a:rPr>
-              <a:t>-Robert Martin (Uncle Bob)</a:t>
-            </a:r>
-          </a:p>
-          <a:p>
-            <a:pPr marL="0" marR="0" indent="0" algn="l" defTabSz="914400" rtl="0" fontAlgn="auto" latinLnBrk="0" hangingPunct="0">
-              <a:lnSpc>
-                <a:spcPct val="100000"/>
-              </a:lnSpc>
-              <a:spcBef>
-                <a:spcPts val="0"/>
-              </a:spcBef>
-              <a:spcAft>
-                <a:spcPts val="0"/>
-              </a:spcAft>
-              <a:buClrTx/>
-              <a:buSzTx/>
-              <a:buFontTx/>
-              <a:buNone/>
-              <a:tabLst/>
-            </a:pPr>
-            <a:endParaRPr kumimoji="0" lang="en-US" sz="1800" b="0" i="0" u="none" strike="noStrike" cap="none" spc="0" normalizeH="0" baseline="0" dirty="0">
+              <a:t>https://stryker-mutator.io/stryker/quickstart</a:t>
+            </a:r>
+            <a:endParaRPr kumimoji="0" lang="en-US" sz="2400" b="0" i="0" u="none" strike="noStrike" cap="none" spc="0" normalizeH="0" baseline="0" dirty="0">
               <a:ln>
                 <a:noFill/>
               </a:ln>
@@ -5059,9 +5276,6 @@
               </a:solidFill>
               <a:effectLst/>
               <a:uFillTx/>
-              <a:latin typeface="+mn-lt"/>
-              <a:ea typeface="+mn-ea"/>
-              <a:cs typeface="+mn-cs"/>
               <a:sym typeface="Calibri"/>
             </a:endParaRPr>
           </a:p>
@@ -5069,10 +5283,10 @@
       </p:sp>
       <p:pic>
         <p:nvPicPr>
-          <p:cNvPr id="9" name="Picture 8">
+          <p:cNvPr id="3" name="Picture 2">
             <a:extLst>
               <a:ext uri="{FF2B5EF4-FFF2-40B4-BE49-F238E27FC236}">
-                <a16:creationId xmlns:a16="http://schemas.microsoft.com/office/drawing/2014/main" id="{D824D3E0-EDCA-45C5-A494-2C55A85D7DFA}"/>
+                <a16:creationId xmlns:a16="http://schemas.microsoft.com/office/drawing/2014/main" id="{D1462202-E4B5-4189-8DDE-FDCC39B5E405}"/>
               </a:ext>
             </a:extLst>
           </p:cNvPr>
@@ -5082,21 +5296,15 @@
           <p:nvPr/>
         </p:nvPicPr>
         <p:blipFill>
-          <a:blip r:embed="rId2">
-            <a:extLst>
-              <a:ext uri="{28A0092B-C50C-407E-A947-70E740481C1C}">
-                <a14:useLocalDpi xmlns:a14="http://schemas.microsoft.com/office/drawing/2010/main" val="0"/>
-              </a:ext>
-            </a:extLst>
-          </a:blip>
+          <a:blip r:embed="rId2"/>
           <a:stretch>
             <a:fillRect/>
           </a:stretch>
         </p:blipFill>
         <p:spPr>
           <a:xfrm>
-            <a:off x="370504" y="3985622"/>
-            <a:ext cx="3799904" cy="2528663"/>
+            <a:off x="9791164" y="4155886"/>
+            <a:ext cx="2195529" cy="2524143"/>
           </a:xfrm>
           <a:prstGeom prst="rect">
             <a:avLst/>
@@ -5106,7 +5314,130 @@
     </p:spTree>
     <p:extLst>
       <p:ext uri="{BB962C8B-B14F-4D97-AF65-F5344CB8AC3E}">
-        <p14:creationId xmlns:p14="http://schemas.microsoft.com/office/powerpoint/2010/main" val="3633438534"/>
+        <p14:creationId xmlns:p14="http://schemas.microsoft.com/office/powerpoint/2010/main" val="2368008236"/>
+      </p:ext>
+    </p:extLst>
+  </p:cSld>
+  <p:clrMapOvr>
+    <a:masterClrMapping/>
+  </p:clrMapOvr>
+  <p:transition spd="med"/>
+</p:sld>
+</file>
+
+<file path=ppt/slides/slide18.xml><?xml version="1.0" encoding="utf-8"?>
+<p:sld xmlns:a="http://schemas.openxmlformats.org/drawingml/2006/main" xmlns:r="http://schemas.openxmlformats.org/officeDocument/2006/relationships" xmlns:p="http://schemas.openxmlformats.org/presentationml/2006/main">
+  <p:cSld>
+    <p:spTree>
+      <p:nvGrpSpPr>
+        <p:cNvPr id="1" name=""/>
+        <p:cNvGrpSpPr/>
+        <p:nvPr/>
+      </p:nvGrpSpPr>
+      <p:grpSpPr>
+        <a:xfrm>
+          <a:off x="0" y="0"/>
+          <a:ext cx="0" cy="0"/>
+          <a:chOff x="0" y="0"/>
+          <a:chExt cx="0" cy="0"/>
+        </a:xfrm>
+      </p:grpSpPr>
+      <p:sp>
+        <p:nvSpPr>
+          <p:cNvPr id="3" name="Title 2">
+            <a:extLst>
+              <a:ext uri="{FF2B5EF4-FFF2-40B4-BE49-F238E27FC236}">
+                <a16:creationId xmlns:a16="http://schemas.microsoft.com/office/drawing/2014/main" id="{4C281C63-46B9-46CA-AF8C-20C8B2BF606D}"/>
+              </a:ext>
+            </a:extLst>
+          </p:cNvPr>
+          <p:cNvSpPr>
+            <a:spLocks noGrp="1"/>
+          </p:cNvSpPr>
+          <p:nvPr>
+            <p:ph type="title"/>
+          </p:nvPr>
+        </p:nvSpPr>
+        <p:spPr/>
+        <p:txBody>
+          <a:bodyPr>
+            <a:normAutofit fontScale="90000"/>
+          </a:bodyPr>
+          <a:lstStyle/>
+          <a:p>
+            <a:pPr algn="ctr"/>
+            <a:r>
+              <a:rPr lang="en-US" b="1" dirty="0"/>
+              <a:t>Mutation Testing - sounds awesome, why have I never heard of it?</a:t>
+            </a:r>
+            <a:endParaRPr lang="en-US" dirty="0"/>
+          </a:p>
+        </p:txBody>
+      </p:sp>
+    </p:spTree>
+    <p:extLst>
+      <p:ext uri="{BB962C8B-B14F-4D97-AF65-F5344CB8AC3E}">
+        <p14:creationId xmlns:p14="http://schemas.microsoft.com/office/powerpoint/2010/main" val="2387239954"/>
+      </p:ext>
+    </p:extLst>
+  </p:cSld>
+  <p:clrMapOvr>
+    <a:masterClrMapping/>
+  </p:clrMapOvr>
+  <p:transition spd="med"/>
+</p:sld>
+</file>
+
+<file path=ppt/slides/slide19.xml><?xml version="1.0" encoding="utf-8"?>
+<p:sld xmlns:a="http://schemas.openxmlformats.org/drawingml/2006/main" xmlns:r="http://schemas.openxmlformats.org/officeDocument/2006/relationships" xmlns:p="http://schemas.openxmlformats.org/presentationml/2006/main">
+  <p:cSld>
+    <p:spTree>
+      <p:nvGrpSpPr>
+        <p:cNvPr id="1" name=""/>
+        <p:cNvGrpSpPr/>
+        <p:nvPr/>
+      </p:nvGrpSpPr>
+      <p:grpSpPr>
+        <a:xfrm>
+          <a:off x="0" y="0"/>
+          <a:ext cx="0" cy="0"/>
+          <a:chOff x="0" y="0"/>
+          <a:chExt cx="0" cy="0"/>
+        </a:xfrm>
+      </p:grpSpPr>
+      <p:sp>
+        <p:nvSpPr>
+          <p:cNvPr id="4" name="Title 3">
+            <a:extLst>
+              <a:ext uri="{FF2B5EF4-FFF2-40B4-BE49-F238E27FC236}">
+                <a16:creationId xmlns:a16="http://schemas.microsoft.com/office/drawing/2014/main" id="{BF19139A-8C99-4205-95BA-E6C71FC83670}"/>
+              </a:ext>
+            </a:extLst>
+          </p:cNvPr>
+          <p:cNvSpPr>
+            <a:spLocks noGrp="1"/>
+          </p:cNvSpPr>
+          <p:nvPr>
+            <p:ph type="title"/>
+          </p:nvPr>
+        </p:nvSpPr>
+        <p:spPr/>
+        <p:txBody>
+          <a:bodyPr/>
+          <a:lstStyle/>
+          <a:p>
+            <a:pPr algn="ctr"/>
+            <a:r>
+              <a:rPr lang="en-US" b="1" dirty="0"/>
+              <a:t>When to run Mutation Testing</a:t>
+            </a:r>
+          </a:p>
+        </p:txBody>
+      </p:sp>
+    </p:spTree>
+    <p:extLst>
+      <p:ext uri="{BB962C8B-B14F-4D97-AF65-F5344CB8AC3E}">
+        <p14:creationId xmlns:p14="http://schemas.microsoft.com/office/powerpoint/2010/main" val="3292626560"/>
       </p:ext>
     </p:extLst>
   </p:cSld>
@@ -5203,6 +5534,203 @@
       </p:grpSpPr>
       <p:sp>
         <p:nvSpPr>
+          <p:cNvPr id="6" name="Text Placeholder 2">
+            <a:extLst>
+              <a:ext uri="{FF2B5EF4-FFF2-40B4-BE49-F238E27FC236}">
+                <a16:creationId xmlns:a16="http://schemas.microsoft.com/office/drawing/2014/main" id="{5A1742E5-F676-B449-91DA-CD15AEEE08EE}"/>
+              </a:ext>
+            </a:extLst>
+          </p:cNvPr>
+          <p:cNvSpPr>
+            <a:spLocks noGrp="1"/>
+          </p:cNvSpPr>
+          <p:nvPr>
+            <p:ph type="body" sz="quarter" idx="1"/>
+          </p:nvPr>
+        </p:nvSpPr>
+        <p:spPr>
+          <a:xfrm>
+            <a:off x="370504" y="152021"/>
+            <a:ext cx="11244135" cy="3540750"/>
+          </a:xfrm>
+        </p:spPr>
+        <p:txBody>
+          <a:bodyPr>
+            <a:noAutofit/>
+          </a:bodyPr>
+          <a:lstStyle/>
+          <a:p>
+            <a:r>
+              <a:rPr lang="en-US" sz="3600" dirty="0">
+                <a:solidFill>
+                  <a:schemeClr val="bg1"/>
+                </a:solidFill>
+                <a:latin typeface="+mn-lt"/>
+              </a:rPr>
+              <a:t>As hard-nosed as I am about TDD as a necessary discipline; if I saw a team using mutation testing to guarantee the semantic stability of a test-after suite; I would smile, and nod, and consider them to be highly professional. (I would also suggest that they work test-first in order to streamline their effort.)</a:t>
+            </a:r>
+          </a:p>
+        </p:txBody>
+      </p:sp>
+      <p:sp>
+        <p:nvSpPr>
+          <p:cNvPr id="3" name="TextBox 2">
+            <a:extLst>
+              <a:ext uri="{FF2B5EF4-FFF2-40B4-BE49-F238E27FC236}">
+                <a16:creationId xmlns:a16="http://schemas.microsoft.com/office/drawing/2014/main" id="{689DFE27-2BF4-49E2-8507-82D1E4FE6686}"/>
+              </a:ext>
+            </a:extLst>
+          </p:cNvPr>
+          <p:cNvSpPr txBox="1"/>
+          <p:nvPr/>
+        </p:nvSpPr>
+        <p:spPr>
+          <a:xfrm>
+            <a:off x="6699738" y="3798278"/>
+            <a:ext cx="5864469" cy="923328"/>
+          </a:xfrm>
+          <a:prstGeom prst="rect">
+            <a:avLst/>
+          </a:prstGeom>
+          <a:noFill/>
+          <a:ln w="12700" cap="flat">
+            <a:noFill/>
+            <a:miter lim="400000"/>
+          </a:ln>
+          <a:effectLst/>
+          <a:sp3d/>
+        </p:spPr>
+        <p:style>
+          <a:lnRef idx="0">
+            <a:scrgbClr r="0" g="0" b="0"/>
+          </a:lnRef>
+          <a:fillRef idx="0">
+            <a:scrgbClr r="0" g="0" b="0"/>
+          </a:fillRef>
+          <a:effectRef idx="0">
+            <a:scrgbClr r="0" g="0" b="0"/>
+          </a:effectRef>
+          <a:fontRef idx="none"/>
+        </p:style>
+        <p:txBody>
+          <a:bodyPr rot="0" spcFirstLastPara="1" vertOverflow="overflow" horzOverflow="overflow" vert="horz" wrap="square" lIns="45719" tIns="45719" rIns="45719" bIns="45719" numCol="1" spcCol="38100" rtlCol="0" anchor="t">
+            <a:spAutoFit/>
+          </a:bodyPr>
+          <a:lstStyle/>
+          <a:p>
+            <a:r>
+              <a:rPr lang="en-US" sz="3600" dirty="0">
+                <a:solidFill>
+                  <a:schemeClr val="bg1"/>
+                </a:solidFill>
+                <a:latin typeface="+mj-lt"/>
+              </a:rPr>
+              <a:t>-Robert Martin (Uncle Bob)</a:t>
+            </a:r>
+          </a:p>
+          <a:p>
+            <a:pPr marL="0" marR="0" indent="0" algn="l" defTabSz="914400" rtl="0" fontAlgn="auto" latinLnBrk="0" hangingPunct="0">
+              <a:lnSpc>
+                <a:spcPct val="100000"/>
+              </a:lnSpc>
+              <a:spcBef>
+                <a:spcPts val="0"/>
+              </a:spcBef>
+              <a:spcAft>
+                <a:spcPts val="0"/>
+              </a:spcAft>
+              <a:buClrTx/>
+              <a:buSzTx/>
+              <a:buFontTx/>
+              <a:buNone/>
+              <a:tabLst/>
+            </a:pPr>
+            <a:endParaRPr kumimoji="0" lang="en-US" sz="1800" b="0" i="0" u="none" strike="noStrike" cap="none" spc="0" normalizeH="0" baseline="0" dirty="0">
+              <a:ln>
+                <a:noFill/>
+              </a:ln>
+              <a:solidFill>
+                <a:schemeClr val="bg1"/>
+              </a:solidFill>
+              <a:effectLst/>
+              <a:uFillTx/>
+              <a:latin typeface="+mn-lt"/>
+              <a:ea typeface="+mn-ea"/>
+              <a:cs typeface="+mn-cs"/>
+              <a:sym typeface="Calibri"/>
+            </a:endParaRPr>
+          </a:p>
+        </p:txBody>
+      </p:sp>
+      <p:pic>
+        <p:nvPicPr>
+          <p:cNvPr id="9" name="Picture 8">
+            <a:extLst>
+              <a:ext uri="{FF2B5EF4-FFF2-40B4-BE49-F238E27FC236}">
+                <a16:creationId xmlns:a16="http://schemas.microsoft.com/office/drawing/2014/main" id="{D824D3E0-EDCA-45C5-A494-2C55A85D7DFA}"/>
+              </a:ext>
+            </a:extLst>
+          </p:cNvPr>
+          <p:cNvPicPr>
+            <a:picLocks noChangeAspect="1"/>
+          </p:cNvPicPr>
+          <p:nvPr/>
+        </p:nvPicPr>
+        <p:blipFill>
+          <a:blip r:embed="rId2">
+            <a:extLst>
+              <a:ext uri="{28A0092B-C50C-407E-A947-70E740481C1C}">
+                <a14:useLocalDpi xmlns:a14="http://schemas.microsoft.com/office/drawing/2010/main" val="0"/>
+              </a:ext>
+            </a:extLst>
+          </a:blip>
+          <a:stretch>
+            <a:fillRect/>
+          </a:stretch>
+        </p:blipFill>
+        <p:spPr>
+          <a:xfrm>
+            <a:off x="370504" y="3985622"/>
+            <a:ext cx="3799904" cy="2528663"/>
+          </a:xfrm>
+          <a:prstGeom prst="rect">
+            <a:avLst/>
+          </a:prstGeom>
+        </p:spPr>
+      </p:pic>
+    </p:spTree>
+    <p:extLst>
+      <p:ext uri="{BB962C8B-B14F-4D97-AF65-F5344CB8AC3E}">
+        <p14:creationId xmlns:p14="http://schemas.microsoft.com/office/powerpoint/2010/main" val="3633438534"/>
+      </p:ext>
+    </p:extLst>
+  </p:cSld>
+  <p:clrMapOvr>
+    <a:masterClrMapping/>
+  </p:clrMapOvr>
+  <p:transition spd="med"/>
+</p:sld>
+</file>
+
+<file path=ppt/slides/slide21.xml><?xml version="1.0" encoding="utf-8"?>
+<p:sld xmlns:a="http://schemas.openxmlformats.org/drawingml/2006/main" xmlns:r="http://schemas.openxmlformats.org/officeDocument/2006/relationships" xmlns:p="http://schemas.openxmlformats.org/presentationml/2006/main">
+  <p:cSld>
+    <p:spTree>
+      <p:nvGrpSpPr>
+        <p:cNvPr id="1" name=""/>
+        <p:cNvGrpSpPr/>
+        <p:nvPr/>
+      </p:nvGrpSpPr>
+      <p:grpSpPr>
+        <a:xfrm>
+          <a:off x="0" y="0"/>
+          <a:ext cx="0" cy="0"/>
+          <a:chOff x="0" y="0"/>
+          <a:chExt cx="0" cy="0"/>
+        </a:xfrm>
+      </p:grpSpPr>
+      <p:sp>
+        <p:nvSpPr>
           <p:cNvPr id="5" name="Title 1">
             <a:extLst>
               <a:ext uri="{FF2B5EF4-FFF2-40B4-BE49-F238E27FC236}">
@@ -5333,7 +5861,7 @@
                   <a:schemeClr val="bg1"/>
                 </a:solidFill>
               </a:rPr>
-              <a:t>C# - Visual Mutator</a:t>
+              <a:t>C# - Visual Mutator, Stryker</a:t>
             </a:r>
           </a:p>
         </p:txBody>
@@ -5352,7 +5880,7 @@
 </p:sld>
 </file>
 
-<file path=ppt/slides/slide21.xml><?xml version="1.0" encoding="utf-8"?>
+<file path=ppt/slides/slide22.xml><?xml version="1.0" encoding="utf-8"?>
 <p:sld xmlns:a="http://schemas.openxmlformats.org/drawingml/2006/main" xmlns:r="http://schemas.openxmlformats.org/officeDocument/2006/relationships" xmlns:p="http://schemas.openxmlformats.org/presentationml/2006/main">
   <p:cSld>
     <p:spTree>
